--- a/Multivariate_project_poster.pptx
+++ b/Multivariate_project_poster.pptx
@@ -15,30 +15,37 @@
   <p:notesSz cx="6858000" cy="9144000"/>
   <p:embeddedFontLst>
     <p:embeddedFont>
-      <p:font typeface="Nunito" pitchFamily="2" charset="77"/>
+      <p:font typeface="Meiryo" panose="020B0604030504040204" pitchFamily="34" charset="-128"/>
       <p:regular r:id="rId5"/>
       <p:bold r:id="rId6"/>
       <p:italic r:id="rId7"/>
       <p:boldItalic r:id="rId8"/>
     </p:embeddedFont>
     <p:embeddedFont>
+      <p:font typeface="Nunito" pitchFamily="2" charset="77"/>
+      <p:regular r:id="rId9"/>
+      <p:bold r:id="rId10"/>
+      <p:italic r:id="rId11"/>
+      <p:boldItalic r:id="rId12"/>
+    </p:embeddedFont>
+    <p:embeddedFont>
       <p:font typeface="Nunito Black" pitchFamily="2" charset="77"/>
-      <p:bold r:id="rId9"/>
-      <p:italic r:id="rId10"/>
-      <p:boldItalic r:id="rId11"/>
+      <p:bold r:id="rId13"/>
+      <p:italic r:id="rId14"/>
+      <p:boldItalic r:id="rId15"/>
     </p:embeddedFont>
     <p:embeddedFont>
       <p:font typeface="Nunito ExtraBold" pitchFamily="2" charset="77"/>
-      <p:bold r:id="rId12"/>
-      <p:italic r:id="rId13"/>
-      <p:boldItalic r:id="rId14"/>
+      <p:bold r:id="rId16"/>
+      <p:italic r:id="rId17"/>
+      <p:boldItalic r:id="rId18"/>
     </p:embeddedFont>
     <p:embeddedFont>
       <p:font typeface="Open Sans" panose="020B0606030504020204" pitchFamily="34" charset="0"/>
-      <p:regular r:id="rId15"/>
-      <p:bold r:id="rId16"/>
-      <p:italic r:id="rId17"/>
-      <p:boldItalic r:id="rId18"/>
+      <p:regular r:id="rId19"/>
+      <p:bold r:id="rId20"/>
+      <p:italic r:id="rId21"/>
+      <p:boldItalic r:id="rId22"/>
     </p:embeddedFont>
   </p:embeddedFontLst>
   <p:defaultTextStyle>
@@ -15890,7 +15897,7 @@
         </p:nvSpPr>
         <p:spPr>
           <a:xfrm>
-            <a:off x="4267080" y="1036482"/>
+            <a:off x="3875393" y="442659"/>
             <a:ext cx="24384240" cy="1652400"/>
           </a:xfrm>
           <a:prstGeom prst="rect">
@@ -15917,7 +15924,7 @@
               <a:buSzPts val="1500"/>
             </a:pPr>
             <a:r>
-              <a:rPr lang="en-US" altLang="zh-CN" sz="5400" b="1" dirty="0">
+              <a:rPr lang="en-US" altLang="zh-CN" sz="6000" b="1" dirty="0">
                 <a:solidFill>
                   <a:schemeClr val="lt1"/>
                 </a:solidFill>
@@ -15928,7 +15935,7 @@
               </a:rPr>
               <a:t>Policy Cancellation Rate Prediction</a:t>
             </a:r>
-            <a:endParaRPr sz="5400" b="1" dirty="0">
+            <a:endParaRPr sz="6000" b="1" dirty="0">
               <a:solidFill>
                 <a:schemeClr val="lt1"/>
               </a:solidFill>
@@ -15949,7 +15956,7 @@
               <a:buSzPts val="1500"/>
             </a:pPr>
             <a:r>
-              <a:rPr lang="en-US" altLang="zh-CN" sz="5400" b="1" dirty="0">
+              <a:rPr lang="en-US" altLang="zh-CN" sz="6000" b="1" dirty="0">
                 <a:solidFill>
                   <a:schemeClr val="lt1"/>
                 </a:solidFill>
@@ -15960,7 +15967,7 @@
               </a:rPr>
               <a:t>for Kangaroo auto insurance company</a:t>
             </a:r>
-            <a:endParaRPr sz="5400" b="1" dirty="0">
+            <a:endParaRPr sz="6000" b="1" dirty="0">
               <a:solidFill>
                 <a:schemeClr val="lt1"/>
               </a:solidFill>
@@ -16437,8 +16444,8 @@
         </p:nvSpPr>
         <p:spPr>
           <a:xfrm>
-            <a:off x="584633" y="4509371"/>
-            <a:ext cx="7268400" cy="1652400"/>
+            <a:off x="584633" y="4509370"/>
+            <a:ext cx="7268400" cy="3505241"/>
           </a:xfrm>
           <a:prstGeom prst="rect">
             <a:avLst/>
@@ -16460,7 +16467,7 @@
               </a:lnSpc>
             </a:pPr>
             <a:r>
-              <a:rPr lang="en-US" altLang="zh-CN" sz="2300" dirty="0">
+              <a:rPr lang="en-US" altLang="zh-CN" sz="2200" dirty="0">
                 <a:solidFill>
                   <a:schemeClr val="dk1"/>
                 </a:solidFill>
@@ -16472,7 +16479,7 @@
               <a:t>The insurance companies are always interested in the </a:t>
             </a:r>
             <a:r>
-              <a:rPr lang="en-US" altLang="zh-CN" sz="2300" b="1" dirty="0">
+              <a:rPr lang="en-US" altLang="zh-CN" sz="2200" b="1" dirty="0">
                 <a:solidFill>
                   <a:schemeClr val="dk1"/>
                 </a:solidFill>
@@ -16484,7 +16491,7 @@
               <a:t>policy cancellation</a:t>
             </a:r>
             <a:r>
-              <a:rPr lang="zh-CN" altLang="en-US" sz="2300" dirty="0">
+              <a:rPr lang="zh-CN" altLang="en-US" sz="2200" dirty="0">
                 <a:solidFill>
                   <a:schemeClr val="dk1"/>
                 </a:solidFill>
@@ -16496,7 +16503,7 @@
               <a:t> </a:t>
             </a:r>
             <a:r>
-              <a:rPr lang="en-US" altLang="zh-CN" sz="2300" dirty="0">
+              <a:rPr lang="en-US" altLang="zh-CN" sz="2200" dirty="0">
                 <a:solidFill>
                   <a:schemeClr val="dk1"/>
                 </a:solidFill>
@@ -16508,7 +16515,7 @@
               <a:t>and the reasons behind it. Competing in the </a:t>
             </a:r>
             <a:r>
-              <a:rPr lang="en-US" altLang="zh-CN" sz="2300" b="1" dirty="0">
+              <a:rPr lang="en-US" altLang="zh-CN" sz="2200" b="1" dirty="0">
                 <a:solidFill>
                   <a:schemeClr val="dk1"/>
                 </a:solidFill>
@@ -16520,7 +16527,7 @@
               <a:t>NESS 2019 </a:t>
             </a:r>
             <a:r>
-              <a:rPr lang="en-US" altLang="zh-CN" sz="2300" b="1" dirty="0" err="1">
+              <a:rPr lang="en-US" altLang="zh-CN" sz="2200" b="1" dirty="0" err="1">
                 <a:solidFill>
                   <a:schemeClr val="dk1"/>
                 </a:solidFill>
@@ -16532,7 +16539,7 @@
               <a:t>Statathon</a:t>
             </a:r>
             <a:r>
-              <a:rPr lang="en-US" altLang="zh-CN" sz="2300" b="1" dirty="0">
+              <a:rPr lang="en-US" altLang="zh-CN" sz="2200" b="1" dirty="0">
                 <a:solidFill>
                   <a:schemeClr val="dk1"/>
                 </a:solidFill>
@@ -16544,7 +16551,7 @@
               <a:t> Competition</a:t>
             </a:r>
             <a:r>
-              <a:rPr lang="zh-CN" altLang="en-US" sz="2300" dirty="0">
+              <a:rPr lang="zh-CN" altLang="en-US" sz="2200" dirty="0">
                 <a:solidFill>
                   <a:schemeClr val="dk1"/>
                 </a:solidFill>
@@ -16556,7 +16563,7 @@
               <a:t> </a:t>
             </a:r>
             <a:r>
-              <a:rPr lang="en-US" altLang="zh-CN" sz="2300" dirty="0">
+              <a:rPr lang="en-US" altLang="zh-CN" sz="2200" dirty="0">
                 <a:solidFill>
                   <a:schemeClr val="dk1"/>
                 </a:solidFill>
@@ -16567,7 +16574,7 @@
               </a:rPr>
               <a:t>on Kaggle, we aim to create a retention model based on historical policy data for Kangaroo Auto Insurance Company. Based on the model, we will predict those house insurance policies that are most likely to cancel as well as interpret the results and find out which features contribute the most into a policy cancellation.</a:t>
             </a:r>
-            <a:endParaRPr sz="2300" dirty="0"/>
+            <a:endParaRPr sz="2200" dirty="0"/>
           </a:p>
         </p:txBody>
       </p:sp>
@@ -16623,7 +16630,7 @@
         </p:nvSpPr>
         <p:spPr>
           <a:xfrm>
-            <a:off x="632880" y="8712207"/>
+            <a:off x="632880" y="8190928"/>
             <a:ext cx="7268400" cy="2406240"/>
           </a:xfrm>
           <a:prstGeom prst="rect">
@@ -16645,7 +16652,7 @@
                 <a:spcPct val="110000"/>
               </a:lnSpc>
             </a:pPr>
-            <a:endParaRPr sz="2300" dirty="0"/>
+            <a:endParaRPr sz="2200" dirty="0"/>
           </a:p>
           <a:p>
             <a:pPr algn="just">
@@ -16654,7 +16661,7 @@
               </a:lnSpc>
             </a:pPr>
             <a:r>
-              <a:rPr lang="en-US" altLang="zh-CN" sz="2300" dirty="0">
+              <a:rPr lang="en-US" altLang="zh-CN" sz="2200" dirty="0">
                 <a:solidFill>
                   <a:schemeClr val="dk1"/>
                 </a:solidFill>
@@ -16663,9 +16670,9 @@
                 <a:cs typeface="Open Sans"/>
                 <a:sym typeface="Open Sans"/>
               </a:rPr>
-              <a:t>In the training dataset, we have 792026 non-cancelled policies (75.5%), 253097 cancelled policies (24.1%).</a:t>
+              <a:t>In the training dataset, we have 792026 non-cancelled policies (75.5%), 253097 cancelled policies (24.1%). The data is imbalanced.</a:t>
             </a:r>
-            <a:endParaRPr sz="2300" dirty="0"/>
+            <a:endParaRPr sz="2200" dirty="0"/>
           </a:p>
         </p:txBody>
       </p:sp>
@@ -16677,7 +16684,7 @@
         </p:nvSpPr>
         <p:spPr>
           <a:xfrm>
-            <a:off x="652108" y="8411248"/>
+            <a:off x="652108" y="7948498"/>
             <a:ext cx="7268400" cy="491400"/>
           </a:xfrm>
           <a:prstGeom prst="rect">
@@ -17028,8 +17035,8 @@
         </p:blipFill>
         <p:spPr>
           <a:xfrm>
-            <a:off x="343260" y="1044988"/>
-            <a:ext cx="4526917" cy="1652310"/>
+            <a:off x="584633" y="453911"/>
+            <a:ext cx="7202001" cy="2711334"/>
           </a:xfrm>
           <a:prstGeom prst="rect">
             <a:avLst/>
@@ -17048,7 +17055,7 @@
         </p:nvSpPr>
         <p:spPr>
           <a:xfrm>
-            <a:off x="26317598" y="841319"/>
+            <a:off x="26401179" y="556333"/>
             <a:ext cx="6257520" cy="2536920"/>
           </a:xfrm>
           <a:prstGeom prst="rect">
@@ -17065,8 +17072,9 @@
           </a:bodyPr>
           <a:lstStyle/>
           <a:p>
+            <a:pPr algn="r"/>
             <a:r>
-              <a:rPr lang="en-US" altLang="zh-CN" sz="3600" dirty="0">
+              <a:rPr lang="en-US" altLang="zh-CN" sz="4800" b="1" dirty="0">
                 <a:solidFill>
                   <a:schemeClr val="lt1"/>
                 </a:solidFill>
@@ -17077,7 +17085,7 @@
               </a:rPr>
               <a:t>Multivariate Statistical Inference</a:t>
             </a:r>
-            <a:endParaRPr sz="3600" dirty="0">
+            <a:endParaRPr sz="4800" b="1" dirty="0">
               <a:solidFill>
                 <a:schemeClr val="lt1"/>
               </a:solidFill>
@@ -17088,8 +17096,9 @@
             </a:endParaRPr>
           </a:p>
           <a:p>
+            <a:pPr algn="r"/>
             <a:r>
-              <a:rPr lang="en-US" altLang="zh-CN" sz="3600" dirty="0">
+              <a:rPr lang="en-US" altLang="zh-CN" sz="4400" dirty="0">
                 <a:solidFill>
                   <a:schemeClr val="lt1"/>
                 </a:solidFill>
@@ -17100,7 +17109,7 @@
               </a:rPr>
               <a:t>Spring 2019</a:t>
             </a:r>
-            <a:endParaRPr sz="3600" dirty="0">
+            <a:endParaRPr sz="4400" dirty="0">
               <a:solidFill>
                 <a:schemeClr val="lt1"/>
               </a:solidFill>
@@ -17128,8 +17137,8 @@
         </p:blipFill>
         <p:spPr>
           <a:xfrm>
-            <a:off x="4527864" y="11816043"/>
-            <a:ext cx="3392644" cy="2979450"/>
+            <a:off x="5071575" y="9620169"/>
+            <a:ext cx="2641128" cy="2056717"/>
           </a:xfrm>
           <a:prstGeom prst="rect">
             <a:avLst/>
@@ -17182,8 +17191,8 @@
         </p:nvSpPr>
         <p:spPr>
           <a:xfrm>
-            <a:off x="632880" y="10652846"/>
-            <a:ext cx="3713040" cy="2406240"/>
+            <a:off x="672143" y="9723520"/>
+            <a:ext cx="3943381" cy="1953366"/>
           </a:xfrm>
           <a:prstGeom prst="rect">
             <a:avLst/>
@@ -17205,7 +17214,7 @@
               </a:lnSpc>
             </a:pPr>
             <a:r>
-              <a:rPr lang="en-US" altLang="zh-CN" sz="2300" dirty="0">
+              <a:rPr lang="en-US" altLang="zh-CN" sz="2200" dirty="0">
                 <a:solidFill>
                   <a:schemeClr val="dk1"/>
                 </a:solidFill>
@@ -17214,61 +17223,8 @@
                 <a:cs typeface="Open Sans"/>
                 <a:sym typeface="Open Sans"/>
               </a:rPr>
-              <a:t>Both the numerical data and categorical data share similar distributions in the training and test set.</a:t>
+              <a:t>Both the numerical data and categorical data share very similar distributions in the training and test set, making the classification task difficult. </a:t>
             </a:r>
-            <a:endParaRPr sz="2300" dirty="0">
-              <a:solidFill>
-                <a:schemeClr val="dk1"/>
-              </a:solidFill>
-              <a:latin typeface="Open Sans"/>
-              <a:ea typeface="Open Sans"/>
-              <a:cs typeface="Open Sans"/>
-              <a:sym typeface="Open Sans"/>
-            </a:endParaRPr>
-          </a:p>
-          <a:p>
-            <a:pPr algn="just">
-              <a:lnSpc>
-                <a:spcPct val="110000"/>
-              </a:lnSpc>
-            </a:pPr>
-            <a:endParaRPr sz="2300" dirty="0">
-              <a:solidFill>
-                <a:schemeClr val="dk1"/>
-              </a:solidFill>
-              <a:latin typeface="Open Sans"/>
-              <a:ea typeface="Open Sans"/>
-              <a:cs typeface="Open Sans"/>
-              <a:sym typeface="Open Sans"/>
-            </a:endParaRPr>
-          </a:p>
-          <a:p>
-            <a:pPr algn="just">
-              <a:lnSpc>
-                <a:spcPct val="110000"/>
-              </a:lnSpc>
-            </a:pPr>
-            <a:r>
-              <a:rPr lang="en-US" altLang="zh-CN" sz="2300" dirty="0">
-                <a:solidFill>
-                  <a:schemeClr val="dk1"/>
-                </a:solidFill>
-                <a:latin typeface="Open Sans"/>
-                <a:ea typeface="Open Sans"/>
-                <a:cs typeface="Open Sans"/>
-                <a:sym typeface="Open Sans"/>
-              </a:rPr>
-              <a:t>Most of the features are uncorrelated with each other and they don’t seem to have a linear relationship with the response variable.</a:t>
-            </a:r>
-            <a:endParaRPr sz="2300" dirty="0">
-              <a:solidFill>
-                <a:schemeClr val="dk1"/>
-              </a:solidFill>
-              <a:latin typeface="Open Sans"/>
-              <a:ea typeface="Open Sans"/>
-              <a:cs typeface="Open Sans"/>
-              <a:sym typeface="Open Sans"/>
-            </a:endParaRPr>
           </a:p>
           <a:p>
             <a:pPr algn="just">
@@ -17384,7 +17340,7 @@
         </p:blipFill>
         <p:spPr>
           <a:xfrm>
-            <a:off x="712210" y="15493089"/>
+            <a:off x="612845" y="13112220"/>
             <a:ext cx="7616617" cy="5244746"/>
           </a:xfrm>
           <a:prstGeom prst="rect">
@@ -17830,13 +17786,15 @@
       <p:cxnSp>
         <p:nvCxnSpPr>
           <p:cNvPr id="160" name="Google Shape;160;p25"/>
-          <p:cNvCxnSpPr/>
+          <p:cNvCxnSpPr>
+            <a:cxnSpLocks/>
+          </p:cNvCxnSpPr>
           <p:nvPr/>
         </p:nvCxnSpPr>
         <p:spPr>
-          <a:xfrm rot="10800000">
-            <a:off x="14319922" y="20947411"/>
-            <a:ext cx="684720" cy="0"/>
+          <a:xfrm flipH="1">
+            <a:off x="13995910" y="20947411"/>
+            <a:ext cx="1008732" cy="0"/>
           </a:xfrm>
           <a:prstGeom prst="straightConnector1">
             <a:avLst/>
@@ -17856,13 +17814,15 @@
       <p:cxnSp>
         <p:nvCxnSpPr>
           <p:cNvPr id="161" name="Google Shape;161;p25"/>
-          <p:cNvCxnSpPr/>
+          <p:cNvCxnSpPr>
+            <a:cxnSpLocks/>
+          </p:cNvCxnSpPr>
           <p:nvPr/>
         </p:nvCxnSpPr>
         <p:spPr>
-          <a:xfrm rot="10800000">
+          <a:xfrm flipH="1">
             <a:off x="13995911" y="19016571"/>
-            <a:ext cx="684720" cy="0"/>
+            <a:ext cx="1008731" cy="0"/>
           </a:xfrm>
           <a:prstGeom prst="straightConnector1">
             <a:avLst/>
@@ -17887,7 +17847,7 @@
         </p:nvSpPr>
         <p:spPr>
           <a:xfrm>
-            <a:off x="14364623" y="18361656"/>
+            <a:off x="14613099" y="18388011"/>
             <a:ext cx="1851120" cy="1257120"/>
           </a:xfrm>
           <a:prstGeom prst="rect">
@@ -18146,8 +18106,8 @@
         </p:nvSpPr>
         <p:spPr>
           <a:xfrm>
-            <a:off x="16841790" y="17558524"/>
-            <a:ext cx="7268400" cy="267840"/>
+            <a:off x="16841790" y="17558523"/>
+            <a:ext cx="7268400" cy="4017447"/>
           </a:xfrm>
           <a:prstGeom prst="rect">
             <a:avLst/>
@@ -18278,6 +18238,298 @@
               <a:cs typeface="Open Sans"/>
               <a:sym typeface="Open Sans"/>
             </a:endParaRPr>
+          </a:p>
+        </p:txBody>
+      </p:sp>
+      <p:sp>
+        <p:nvSpPr>
+          <p:cNvPr id="2" name="TextBox 1">
+            <a:extLst>
+              <a:ext uri="{FF2B5EF4-FFF2-40B4-BE49-F238E27FC236}">
+                <a16:creationId xmlns:a16="http://schemas.microsoft.com/office/drawing/2014/main" id="{7503A86E-6020-AD48-90A6-5B6F64D06980}"/>
+              </a:ext>
+            </a:extLst>
+          </p:cNvPr>
+          <p:cNvSpPr txBox="1"/>
+          <p:nvPr/>
+        </p:nvSpPr>
+        <p:spPr>
+          <a:xfrm>
+            <a:off x="10334792" y="2675758"/>
+            <a:ext cx="13434647" cy="769441"/>
+          </a:xfrm>
+          <a:prstGeom prst="rect">
+            <a:avLst/>
+          </a:prstGeom>
+          <a:noFill/>
+        </p:spPr>
+        <p:txBody>
+          <a:bodyPr wrap="square" rtlCol="0">
+            <a:spAutoFit/>
+          </a:bodyPr>
+          <a:lstStyle/>
+          <a:p>
+            <a:r>
+              <a:rPr lang="en-US" sz="4400" dirty="0" err="1">
+                <a:solidFill>
+                  <a:schemeClr val="bg1"/>
+                </a:solidFill>
+                <a:latin typeface="Meiryo" panose="020B0604030504040204" pitchFamily="34" charset="-128"/>
+                <a:ea typeface="Meiryo" panose="020B0604030504040204" pitchFamily="34" charset="-128"/>
+              </a:rPr>
+              <a:t>Yunhao</a:t>
+            </a:r>
+            <a:r>
+              <a:rPr lang="en-US" sz="4400" dirty="0">
+                <a:solidFill>
+                  <a:schemeClr val="bg1"/>
+                </a:solidFill>
+                <a:latin typeface="Meiryo" panose="020B0604030504040204" pitchFamily="34" charset="-128"/>
+                <a:ea typeface="Meiryo" panose="020B0604030504040204" pitchFamily="34" charset="-128"/>
+              </a:rPr>
+              <a:t> Huang, </a:t>
+            </a:r>
+            <a:r>
+              <a:rPr lang="en-US" sz="4400" dirty="0" err="1">
+                <a:solidFill>
+                  <a:schemeClr val="bg1"/>
+                </a:solidFill>
+                <a:latin typeface="Meiryo" panose="020B0604030504040204" pitchFamily="34" charset="-128"/>
+                <a:ea typeface="Meiryo" panose="020B0604030504040204" pitchFamily="34" charset="-128"/>
+              </a:rPr>
+              <a:t>Yiming</a:t>
+            </a:r>
+            <a:r>
+              <a:rPr lang="en-US" sz="4400" dirty="0">
+                <a:solidFill>
+                  <a:schemeClr val="bg1"/>
+                </a:solidFill>
+                <a:latin typeface="Meiryo" panose="020B0604030504040204" pitchFamily="34" charset="-128"/>
+                <a:ea typeface="Meiryo" panose="020B0604030504040204" pitchFamily="34" charset="-128"/>
+              </a:rPr>
+              <a:t> Tan, </a:t>
+            </a:r>
+            <a:r>
+              <a:rPr lang="en-US" sz="4400" dirty="0" err="1">
+                <a:solidFill>
+                  <a:schemeClr val="bg1"/>
+                </a:solidFill>
+                <a:latin typeface="Meiryo" panose="020B0604030504040204" pitchFamily="34" charset="-128"/>
+                <a:ea typeface="Meiryo" panose="020B0604030504040204" pitchFamily="34" charset="-128"/>
+              </a:rPr>
+              <a:t>Xiaoxi</a:t>
+            </a:r>
+            <a:r>
+              <a:rPr lang="en-US" sz="4400" dirty="0">
+                <a:solidFill>
+                  <a:schemeClr val="bg1"/>
+                </a:solidFill>
+                <a:latin typeface="Meiryo" panose="020B0604030504040204" pitchFamily="34" charset="-128"/>
+                <a:ea typeface="Meiryo" panose="020B0604030504040204" pitchFamily="34" charset="-128"/>
+              </a:rPr>
+              <a:t> Zhao</a:t>
+            </a:r>
+          </a:p>
+        </p:txBody>
+      </p:sp>
+      <p:sp>
+        <p:nvSpPr>
+          <p:cNvPr id="7" name="Rectangle 6">
+            <a:extLst>
+              <a:ext uri="{FF2B5EF4-FFF2-40B4-BE49-F238E27FC236}">
+                <a16:creationId xmlns:a16="http://schemas.microsoft.com/office/drawing/2014/main" id="{621345E1-E0BA-1D45-87C0-00B2E38A874C}"/>
+              </a:ext>
+            </a:extLst>
+          </p:cNvPr>
+          <p:cNvSpPr/>
+          <p:nvPr/>
+        </p:nvSpPr>
+        <p:spPr>
+          <a:xfrm>
+            <a:off x="608698" y="18491866"/>
+            <a:ext cx="7104005" cy="1561710"/>
+          </a:xfrm>
+          <a:prstGeom prst="rect">
+            <a:avLst/>
+          </a:prstGeom>
+        </p:spPr>
+        <p:txBody>
+          <a:bodyPr wrap="square">
+            <a:spAutoFit/>
+          </a:bodyPr>
+          <a:lstStyle/>
+          <a:p>
+            <a:pPr lvl="0" algn="just">
+              <a:lnSpc>
+                <a:spcPct val="110000"/>
+              </a:lnSpc>
+            </a:pPr>
+            <a:r>
+              <a:rPr lang="en-US" altLang="zh-CN" sz="2200" dirty="0">
+                <a:latin typeface="Open Sans"/>
+                <a:ea typeface="Open Sans"/>
+                <a:cs typeface="Open Sans"/>
+                <a:sym typeface="Open Sans"/>
+              </a:rPr>
+              <a:t>Thus the linear models  for classification for example logistic regression, LDA and QDA will not have a  good prediction performance in this case. </a:t>
+            </a:r>
+          </a:p>
+          <a:p>
+            <a:pPr lvl="0" algn="just">
+              <a:lnSpc>
+                <a:spcPct val="110000"/>
+              </a:lnSpc>
+            </a:pPr>
+            <a:endParaRPr lang="en-US" altLang="zh-CN" sz="2200" dirty="0">
+              <a:latin typeface="Open Sans"/>
+              <a:ea typeface="Open Sans"/>
+              <a:cs typeface="Open Sans"/>
+              <a:sym typeface="Open Sans"/>
+            </a:endParaRPr>
+          </a:p>
+        </p:txBody>
+      </p:sp>
+      <p:sp>
+        <p:nvSpPr>
+          <p:cNvPr id="8" name="Rectangle 7">
+            <a:extLst>
+              <a:ext uri="{FF2B5EF4-FFF2-40B4-BE49-F238E27FC236}">
+                <a16:creationId xmlns:a16="http://schemas.microsoft.com/office/drawing/2014/main" id="{E076DE9D-FF09-E94B-9754-C90975C6CA04}"/>
+              </a:ext>
+            </a:extLst>
+          </p:cNvPr>
+          <p:cNvSpPr/>
+          <p:nvPr/>
+        </p:nvSpPr>
+        <p:spPr>
+          <a:xfrm>
+            <a:off x="649441" y="11716270"/>
+            <a:ext cx="7138784" cy="1189300"/>
+          </a:xfrm>
+          <a:prstGeom prst="rect">
+            <a:avLst/>
+          </a:prstGeom>
+        </p:spPr>
+        <p:txBody>
+          <a:bodyPr wrap="square">
+            <a:spAutoFit/>
+          </a:bodyPr>
+          <a:lstStyle/>
+          <a:p>
+            <a:pPr lvl="0" algn="just">
+              <a:lnSpc>
+                <a:spcPct val="110000"/>
+              </a:lnSpc>
+            </a:pPr>
+            <a:r>
+              <a:rPr lang="en-US" altLang="zh-CN" sz="2200" dirty="0">
+                <a:latin typeface="Open Sans"/>
+                <a:ea typeface="Open Sans"/>
+                <a:cs typeface="Open Sans"/>
+                <a:sym typeface="Open Sans"/>
+              </a:rPr>
+              <a:t>Most of the features are uncorrelated with each other and they don’t seem to have a linear relationship with the response variable.</a:t>
+            </a:r>
+            <a:endParaRPr lang="en-US" sz="2200" dirty="0">
+              <a:latin typeface="Open Sans"/>
+              <a:ea typeface="Open Sans"/>
+              <a:cs typeface="Open Sans"/>
+              <a:sym typeface="Open Sans"/>
+            </a:endParaRPr>
+          </a:p>
+        </p:txBody>
+      </p:sp>
+      <p:sp>
+        <p:nvSpPr>
+          <p:cNvPr id="9" name="Rectangle 8">
+            <a:extLst>
+              <a:ext uri="{FF2B5EF4-FFF2-40B4-BE49-F238E27FC236}">
+                <a16:creationId xmlns:a16="http://schemas.microsoft.com/office/drawing/2014/main" id="{C45C779E-10BE-CE49-8F55-94913A239CF8}"/>
+              </a:ext>
+            </a:extLst>
+          </p:cNvPr>
+          <p:cNvSpPr/>
+          <p:nvPr/>
+        </p:nvSpPr>
+        <p:spPr>
+          <a:xfrm>
+            <a:off x="632880" y="21095975"/>
+            <a:ext cx="6655989" cy="444481"/>
+          </a:xfrm>
+          <a:prstGeom prst="rect">
+            <a:avLst/>
+          </a:prstGeom>
+        </p:spPr>
+        <p:txBody>
+          <a:bodyPr wrap="none">
+            <a:spAutoFit/>
+          </a:bodyPr>
+          <a:lstStyle/>
+          <a:p>
+            <a:pPr lvl="0" algn="just">
+              <a:lnSpc>
+                <a:spcPct val="110000"/>
+              </a:lnSpc>
+            </a:pPr>
+            <a:r>
+              <a:rPr lang="en-US" altLang="zh-CN" sz="2200" dirty="0">
+                <a:latin typeface="Open Sans"/>
+                <a:ea typeface="Open Sans"/>
+                <a:cs typeface="Open Sans"/>
+                <a:sym typeface="Open Sans"/>
+              </a:rPr>
+              <a:t>The programming language used here is python. </a:t>
+            </a:r>
+            <a:endParaRPr lang="en-US" sz="2200" dirty="0">
+              <a:latin typeface="Open Sans"/>
+              <a:ea typeface="Open Sans"/>
+              <a:cs typeface="Open Sans"/>
+              <a:sym typeface="Open Sans"/>
+            </a:endParaRPr>
+          </a:p>
+        </p:txBody>
+      </p:sp>
+      <p:sp>
+        <p:nvSpPr>
+          <p:cNvPr id="10" name="Rectangle 9">
+            <a:extLst>
+              <a:ext uri="{FF2B5EF4-FFF2-40B4-BE49-F238E27FC236}">
+                <a16:creationId xmlns:a16="http://schemas.microsoft.com/office/drawing/2014/main" id="{1D1C7D13-B60B-B046-86D2-F38C1C7989A7}"/>
+              </a:ext>
+            </a:extLst>
+          </p:cNvPr>
+          <p:cNvSpPr/>
+          <p:nvPr/>
+        </p:nvSpPr>
+        <p:spPr>
+          <a:xfrm>
+            <a:off x="676796" y="19784187"/>
+            <a:ext cx="7035907" cy="1189300"/>
+          </a:xfrm>
+          <a:prstGeom prst="rect">
+            <a:avLst/>
+          </a:prstGeom>
+        </p:spPr>
+        <p:txBody>
+          <a:bodyPr wrap="square">
+            <a:spAutoFit/>
+          </a:bodyPr>
+          <a:lstStyle/>
+          <a:p>
+            <a:pPr lvl="0" algn="just">
+              <a:lnSpc>
+                <a:spcPct val="110000"/>
+              </a:lnSpc>
+            </a:pPr>
+            <a:r>
+              <a:rPr lang="en-US" altLang="zh-CN" sz="2200" dirty="0">
+                <a:latin typeface="Open Sans"/>
+                <a:ea typeface="Open Sans"/>
+                <a:cs typeface="Open Sans"/>
+                <a:sym typeface="Open Sans"/>
+              </a:rPr>
+              <a:t>We will generate some nonlinear features, and focus on the tree-based ensemble models and stack the  classification results together.</a:t>
+            </a:r>
           </a:p>
         </p:txBody>
       </p:sp>
